--- a/examples/goapop/GOApop_amak.pptx
+++ b/examples/goapop/GOApop_amak.pptx
@@ -13,8 +13,9 @@
     <p:sldId id="258" r:id="rId7"/>
     <p:sldId id="265" r:id="rId8"/>
     <p:sldId id="259" r:id="rId9"/>
-    <p:sldId id="260" r:id="rId10"/>
-    <p:sldId id="261" r:id="rId11"/>
+    <p:sldId id="266" r:id="rId10"/>
+    <p:sldId id="260" r:id="rId11"/>
+    <p:sldId id="261" r:id="rId12"/>
   </p:sldIdLst>
   <p:sldSz cx="12192000" cy="6858000"/>
   <p:notesSz cx="6858000" cy="9144000"/>
@@ -3415,6 +3416,116 @@
           <p:cNvPr id="2" name="Title 1">
             <a:extLst>
               <a:ext uri="{FF2B5EF4-FFF2-40B4-BE49-F238E27FC236}">
+                <a16:creationId xmlns:a16="http://schemas.microsoft.com/office/drawing/2014/main" id="{930B3387-63B2-1E4A-AEB5-04D7FBECC754}"/>
+              </a:ext>
+            </a:extLst>
+          </p:cNvPr>
+          <p:cNvSpPr>
+            <a:spLocks noGrp="1"/>
+          </p:cNvSpPr>
+          <p:nvPr>
+            <p:ph type="title"/>
+          </p:nvPr>
+        </p:nvSpPr>
+        <p:spPr/>
+        <p:txBody>
+          <a:bodyPr/>
+          <a:lstStyle/>
+          <a:p>
+            <a:endParaRPr lang="en-US"/>
+          </a:p>
+        </p:txBody>
+      </p:sp>
+      <p:sp>
+        <p:nvSpPr>
+          <p:cNvPr id="3" name="Content Placeholder 2">
+            <a:extLst>
+              <a:ext uri="{FF2B5EF4-FFF2-40B4-BE49-F238E27FC236}">
+                <a16:creationId xmlns:a16="http://schemas.microsoft.com/office/drawing/2014/main" id="{9FD01711-B6B2-884E-99C9-8D4AD623BD51}"/>
+              </a:ext>
+            </a:extLst>
+          </p:cNvPr>
+          <p:cNvSpPr>
+            <a:spLocks noGrp="1"/>
+          </p:cNvSpPr>
+          <p:nvPr>
+            <p:ph idx="1"/>
+          </p:nvPr>
+        </p:nvSpPr>
+        <p:spPr/>
+        <p:txBody>
+          <a:bodyPr/>
+          <a:lstStyle/>
+          <a:p>
+            <a:endParaRPr lang="en-US"/>
+          </a:p>
+        </p:txBody>
+      </p:sp>
+      <p:pic>
+        <p:nvPicPr>
+          <p:cNvPr id="4" name="Picture 3">
+            <a:extLst>
+              <a:ext uri="{FF2B5EF4-FFF2-40B4-BE49-F238E27FC236}">
+                <a16:creationId xmlns:a16="http://schemas.microsoft.com/office/drawing/2014/main" id="{6ECF9F59-6C78-7548-858F-B06DB2288DD9}"/>
+              </a:ext>
+            </a:extLst>
+          </p:cNvPr>
+          <p:cNvPicPr>
+            <a:picLocks noChangeAspect="1"/>
+          </p:cNvPicPr>
+          <p:nvPr/>
+        </p:nvPicPr>
+        <p:blipFill>
+          <a:blip r:embed="rId2"/>
+          <a:stretch>
+            <a:fillRect/>
+          </a:stretch>
+        </p:blipFill>
+        <p:spPr>
+          <a:xfrm>
+            <a:off x="0" y="1447024"/>
+            <a:ext cx="12192000" cy="5170583"/>
+          </a:xfrm>
+          <a:prstGeom prst="rect">
+            <a:avLst/>
+          </a:prstGeom>
+        </p:spPr>
+      </p:pic>
+    </p:spTree>
+    <p:extLst>
+      <p:ext uri="{BB962C8B-B14F-4D97-AF65-F5344CB8AC3E}">
+        <p14:creationId xmlns:p14="http://schemas.microsoft.com/office/powerpoint/2010/main" val="4268441841"/>
+      </p:ext>
+    </p:extLst>
+  </p:cSld>
+  <p:clrMapOvr>
+    <a:masterClrMapping/>
+  </p:clrMapOvr>
+</p:sld>
+</file>
+
+<file path=ppt/slides/slide11.xml><?xml version="1.0" encoding="utf-8"?>
+<p:sld xmlns:a="http://schemas.openxmlformats.org/drawingml/2006/main" xmlns:r="http://schemas.openxmlformats.org/officeDocument/2006/relationships" xmlns:p="http://schemas.openxmlformats.org/presentationml/2006/main">
+  <p:cSld>
+    <p:spTree>
+      <p:nvGrpSpPr>
+        <p:cNvPr id="1" name=""/>
+        <p:cNvGrpSpPr/>
+        <p:nvPr/>
+      </p:nvGrpSpPr>
+      <p:grpSpPr>
+        <a:xfrm>
+          <a:off x="0" y="0"/>
+          <a:ext cx="0" cy="0"/>
+          <a:chOff x="0" y="0"/>
+          <a:chExt cx="0" cy="0"/>
+        </a:xfrm>
+      </p:grpSpPr>
+      <p:sp>
+        <p:nvSpPr>
+          <p:cNvPr id="2" name="Title 1">
+            <a:extLst>
+              <a:ext uri="{FF2B5EF4-FFF2-40B4-BE49-F238E27FC236}">
                 <a16:creationId xmlns:a16="http://schemas.microsoft.com/office/drawing/2014/main" id="{75A48479-4B79-9249-9266-B6B5868088E6}"/>
               </a:ext>
             </a:extLst>
@@ -4360,37 +4471,116 @@
             <p:ph type="title"/>
           </p:nvPr>
         </p:nvSpPr>
-        <p:spPr/>
-        <p:txBody>
-          <a:bodyPr/>
-          <a:lstStyle/>
-          <a:p>
-            <a:endParaRPr lang="en-US"/>
-          </a:p>
-        </p:txBody>
-      </p:sp>
-      <p:sp>
-        <p:nvSpPr>
-          <p:cNvPr id="3" name="Content Placeholder 2">
-            <a:extLst>
-              <a:ext uri="{FF2B5EF4-FFF2-40B4-BE49-F238E27FC236}">
-                <a16:creationId xmlns:a16="http://schemas.microsoft.com/office/drawing/2014/main" id="{033F8C30-6C9B-9340-977E-EB659F62EC4A}"/>
-              </a:ext>
-            </a:extLst>
-          </p:cNvPr>
-          <p:cNvSpPr>
-            <a:spLocks noGrp="1"/>
-          </p:cNvSpPr>
+        <p:spPr>
+          <a:xfrm>
+            <a:off x="838200" y="-172204"/>
+            <a:ext cx="10515600" cy="1325563"/>
+          </a:xfrm>
+        </p:spPr>
+        <p:txBody>
+          <a:bodyPr/>
+          <a:lstStyle/>
+          <a:p>
+            <a:r>
+              <a:rPr lang="en-US" dirty="0"/>
+              <a:t>Age-size conversion matrices</a:t>
+            </a:r>
+          </a:p>
+        </p:txBody>
+      </p:sp>
+      <p:pic>
+        <p:nvPicPr>
+          <p:cNvPr id="5" name="Content Placeholder 4">
+            <a:extLst>
+              <a:ext uri="{FF2B5EF4-FFF2-40B4-BE49-F238E27FC236}">
+                <a16:creationId xmlns:a16="http://schemas.microsoft.com/office/drawing/2014/main" id="{92C43AFC-2D7D-0E44-BFC0-BB25AF39E0C9}"/>
+              </a:ext>
+            </a:extLst>
+          </p:cNvPr>
+          <p:cNvPicPr>
+            <a:picLocks noGrp="1" noChangeAspect="1"/>
+          </p:cNvPicPr>
           <p:nvPr>
             <p:ph idx="1"/>
           </p:nvPr>
-        </p:nvSpPr>
-        <p:spPr/>
-        <p:txBody>
-          <a:bodyPr/>
-          <a:lstStyle/>
-          <a:p>
-            <a:endParaRPr lang="en-US"/>
+        </p:nvPicPr>
+        <p:blipFill>
+          <a:blip r:embed="rId2"/>
+          <a:stretch>
+            <a:fillRect/>
+          </a:stretch>
+        </p:blipFill>
+        <p:spPr>
+          <a:xfrm>
+            <a:off x="116591" y="4249499"/>
+            <a:ext cx="11970680" cy="2509267"/>
+          </a:xfrm>
+          <a:prstGeom prst="rect">
+            <a:avLst/>
+          </a:prstGeom>
+        </p:spPr>
+      </p:pic>
+      <p:pic>
+        <p:nvPicPr>
+          <p:cNvPr id="4" name="Picture 3">
+            <a:extLst>
+              <a:ext uri="{FF2B5EF4-FFF2-40B4-BE49-F238E27FC236}">
+                <a16:creationId xmlns:a16="http://schemas.microsoft.com/office/drawing/2014/main" id="{C54E6A50-7247-E748-92B9-46C44FD16E0E}"/>
+              </a:ext>
+            </a:extLst>
+          </p:cNvPr>
+          <p:cNvPicPr>
+            <a:picLocks noChangeAspect="1"/>
+          </p:cNvPicPr>
+          <p:nvPr/>
+        </p:nvPicPr>
+        <p:blipFill>
+          <a:blip r:embed="rId3"/>
+          <a:stretch>
+            <a:fillRect/>
+          </a:stretch>
+        </p:blipFill>
+        <p:spPr>
+          <a:xfrm>
+            <a:off x="116590" y="904973"/>
+            <a:ext cx="12074001" cy="2524027"/>
+          </a:xfrm>
+          <a:prstGeom prst="rect">
+            <a:avLst/>
+          </a:prstGeom>
+        </p:spPr>
+      </p:pic>
+      <p:sp>
+        <p:nvSpPr>
+          <p:cNvPr id="6" name="Rectangle 5">
+            <a:extLst>
+              <a:ext uri="{FF2B5EF4-FFF2-40B4-BE49-F238E27FC236}">
+                <a16:creationId xmlns:a16="http://schemas.microsoft.com/office/drawing/2014/main" id="{A8C51A14-ECCB-C04D-8E98-D89D23325A81}"/>
+              </a:ext>
+            </a:extLst>
+          </p:cNvPr>
+          <p:cNvSpPr/>
+          <p:nvPr/>
+        </p:nvSpPr>
+        <p:spPr>
+          <a:xfrm>
+            <a:off x="5901075" y="3809943"/>
+            <a:ext cx="5697072" cy="369332"/>
+          </a:xfrm>
+          <a:prstGeom prst="rect">
+            <a:avLst/>
+          </a:prstGeom>
+        </p:spPr>
+        <p:txBody>
+          <a:bodyPr wrap="none">
+            <a:spAutoFit/>
+          </a:bodyPr>
+          <a:lstStyle/>
+          <a:p>
+            <a:r>
+              <a:rPr lang="en-US" dirty="0"/>
+              <a:t>Age-size conversion as from growth parameters in AMAK</a:t>
+            </a:r>
           </a:p>
         </p:txBody>
       </p:sp>
@@ -4429,7 +4619,7 @@
           <p:cNvPr id="2" name="Title 1">
             <a:extLst>
               <a:ext uri="{FF2B5EF4-FFF2-40B4-BE49-F238E27FC236}">
-                <a16:creationId xmlns:a16="http://schemas.microsoft.com/office/drawing/2014/main" id="{930B3387-63B2-1E4A-AEB5-04D7FBECC754}"/>
+                <a16:creationId xmlns:a16="http://schemas.microsoft.com/office/drawing/2014/main" id="{3A67BA9B-5D86-C54C-B7CD-EC1E49190507}"/>
               </a:ext>
             </a:extLst>
           </p:cNvPr>
@@ -4454,7 +4644,7 @@
           <p:cNvPr id="3" name="Content Placeholder 2">
             <a:extLst>
               <a:ext uri="{FF2B5EF4-FFF2-40B4-BE49-F238E27FC236}">
-                <a16:creationId xmlns:a16="http://schemas.microsoft.com/office/drawing/2014/main" id="{9FD01711-B6B2-884E-99C9-8D4AD623BD51}"/>
+                <a16:creationId xmlns:a16="http://schemas.microsoft.com/office/drawing/2014/main" id="{0099C1C0-1F54-544A-95AF-997A94F2F1E3}"/>
               </a:ext>
             </a:extLst>
           </p:cNvPr>
@@ -4479,7 +4669,7 @@
           <p:cNvPr id="4" name="Picture 3">
             <a:extLst>
               <a:ext uri="{FF2B5EF4-FFF2-40B4-BE49-F238E27FC236}">
-                <a16:creationId xmlns:a16="http://schemas.microsoft.com/office/drawing/2014/main" id="{6ECF9F59-6C78-7548-858F-B06DB2288DD9}"/>
+                <a16:creationId xmlns:a16="http://schemas.microsoft.com/office/drawing/2014/main" id="{04E504E0-9983-734A-872B-A15A7C723549}"/>
               </a:ext>
             </a:extLst>
           </p:cNvPr>
@@ -4496,8 +4686,8 @@
         </p:blipFill>
         <p:spPr>
           <a:xfrm>
-            <a:off x="0" y="1447024"/>
-            <a:ext cx="12192000" cy="5170583"/>
+            <a:off x="1009650" y="1169644"/>
+            <a:ext cx="10172700" cy="5499100"/>
           </a:xfrm>
           <a:prstGeom prst="rect">
             <a:avLst/>
@@ -4507,7 +4697,7 @@
     </p:spTree>
     <p:extLst>
       <p:ext uri="{BB962C8B-B14F-4D97-AF65-F5344CB8AC3E}">
-        <p14:creationId xmlns:p14="http://schemas.microsoft.com/office/powerpoint/2010/main" val="4268441841"/>
+        <p14:creationId xmlns:p14="http://schemas.microsoft.com/office/powerpoint/2010/main" val="2881469494"/>
       </p:ext>
     </p:extLst>
   </p:cSld>
